--- a/presentation/Term-Project-2023-11-30.pptx
+++ b/presentation/Term-Project-2023-11-30.pptx
@@ -5366,6 +5366,12 @@
               <a:t>for training and validation.</a:t>
             </a:r>
           </a:p>
+          <a:p>
+            <a:r>
+              <a:rPr lang="en-US" dirty="0"/>
+              <a:t>I choose 90days to capture the seasons (4x) per year.</a:t>
+            </a:r>
+          </a:p>
         </p:txBody>
       </p:sp>
       <p:pic>
@@ -6663,17 +6669,17 @@
         </p:nvSpPr>
         <p:spPr>
           <a:xfrm>
-            <a:off x="1134617" y="1262793"/>
-            <a:ext cx="4961383" cy="5023707"/>
+            <a:off x="1134617" y="1262794"/>
+            <a:ext cx="4961383" cy="3418172"/>
           </a:xfrm>
         </p:spPr>
         <p:txBody>
           <a:bodyPr/>
           <a:lstStyle/>
           <a:p>
-            <a:endParaRPr lang="en-US" dirty="0"/>
-          </a:p>
-          <a:p>
+            <a:pPr marL="0" indent="0">
+              <a:buNone/>
+            </a:pPr>
             <a:r>
               <a:rPr lang="en-US" dirty="0"/>
               <a:t>The training time for this compact model was brief, </a:t>
@@ -6688,9 +6694,12 @@
             </a:r>
           </a:p>
           <a:p>
+            <a:pPr marL="0" indent="0">
+              <a:buNone/>
+            </a:pPr>
             <a:r>
               <a:rPr lang="en-US" dirty="0"/>
-              <a:t>Mean Squared Error (MSE) loss is common[3] used as a performance metric, quantifying the difference between predicted values and actual values by averaging the squares of these differences.</a:t>
+              <a:t>Mean Squared Error (MSE) loss is commonly[3] used as a learning metric, quantifying the difference between predicted and actual values.</a:t>
             </a:r>
           </a:p>
         </p:txBody>
@@ -6835,6 +6844,1458 @@
           </a:ln>
         </p:spPr>
       </p:pic>
+      <p:pic>
+        <p:nvPicPr>
+          <p:cNvPr id="6" name="Picture 5" descr="A logo on a black background&#10;&#10;Description automatically generated">
+            <a:extLst>
+              <a:ext uri="{FF2B5EF4-FFF2-40B4-BE49-F238E27FC236}">
+                <a16:creationId xmlns:a16="http://schemas.microsoft.com/office/drawing/2014/main" id="{7DDB12AB-B1BD-48A8-054B-FCE049C11C87}"/>
+              </a:ext>
+            </a:extLst>
+          </p:cNvPr>
+          <p:cNvPicPr>
+            <a:picLocks noChangeAspect="1"/>
+          </p:cNvPicPr>
+          <p:nvPr/>
+        </p:nvPicPr>
+        <p:blipFill>
+          <a:blip r:embed="rId6"/>
+          <a:stretch>
+            <a:fillRect/>
+          </a:stretch>
+        </p:blipFill>
+        <p:spPr>
+          <a:xfrm>
+            <a:off x="7150894" y="3557936"/>
+            <a:ext cx="1191159" cy="595580"/>
+          </a:xfrm>
+          <a:prstGeom prst="rect">
+            <a:avLst/>
+          </a:prstGeom>
+          <a:ln w="19050">
+            <a:solidFill>
+              <a:schemeClr val="accent1"/>
+            </a:solidFill>
+          </a:ln>
+        </p:spPr>
+      </p:pic>
+      <p:sp>
+        <p:nvSpPr>
+          <p:cNvPr id="7" name="TextBox 6">
+            <a:extLst>
+              <a:ext uri="{FF2B5EF4-FFF2-40B4-BE49-F238E27FC236}">
+                <a16:creationId xmlns:a16="http://schemas.microsoft.com/office/drawing/2014/main" id="{7FF04314-C72D-1EE4-982E-2BDCB7C731D7}"/>
+              </a:ext>
+            </a:extLst>
+          </p:cNvPr>
+          <p:cNvSpPr txBox="1"/>
+          <p:nvPr/>
+        </p:nvSpPr>
+        <p:spPr>
+          <a:xfrm>
+            <a:off x="4039210" y="4270564"/>
+            <a:ext cx="4302843" cy="2015936"/>
+          </a:xfrm>
+          <a:prstGeom prst="rect">
+            <a:avLst/>
+          </a:prstGeom>
+          <a:solidFill>
+            <a:schemeClr val="tx1"/>
+          </a:solidFill>
+          <a:ln w="19050">
+            <a:solidFill>
+              <a:schemeClr val="accent1"/>
+            </a:solidFill>
+          </a:ln>
+        </p:spPr>
+        <p:txBody>
+          <a:bodyPr wrap="square" rtlCol="0">
+            <a:spAutoFit/>
+          </a:bodyPr>
+          <a:lstStyle/>
+          <a:p>
+            <a:r>
+              <a:rPr lang="en-US" sz="700" b="0" dirty="0">
+                <a:solidFill>
+                  <a:srgbClr val="569CD6"/>
+                </a:solidFill>
+                <a:effectLst/>
+                <a:latin typeface="Menlo" panose="020B0609030804020204" pitchFamily="49" charset="0"/>
+              </a:rPr>
+              <a:t>class</a:t>
+            </a:r>
+            <a:r>
+              <a:rPr lang="en-US" sz="700" b="0" dirty="0">
+                <a:solidFill>
+                  <a:srgbClr val="CCCCCC"/>
+                </a:solidFill>
+                <a:effectLst/>
+                <a:latin typeface="Menlo" panose="020B0609030804020204" pitchFamily="49" charset="0"/>
+              </a:rPr>
+              <a:t> </a:t>
+            </a:r>
+            <a:r>
+              <a:rPr lang="en-US" sz="700" b="0" dirty="0">
+                <a:solidFill>
+                  <a:srgbClr val="4EC9B0"/>
+                </a:solidFill>
+                <a:effectLst/>
+                <a:latin typeface="Menlo" panose="020B0609030804020204" pitchFamily="49" charset="0"/>
+              </a:rPr>
+              <a:t>LSTM</a:t>
+            </a:r>
+            <a:r>
+              <a:rPr lang="en-US" sz="700" b="0" dirty="0">
+                <a:solidFill>
+                  <a:srgbClr val="CCCCCC"/>
+                </a:solidFill>
+                <a:effectLst/>
+                <a:latin typeface="Menlo" panose="020B0609030804020204" pitchFamily="49" charset="0"/>
+              </a:rPr>
+              <a:t>(</a:t>
+            </a:r>
+            <a:r>
+              <a:rPr lang="en-US" sz="700" b="0" dirty="0" err="1">
+                <a:solidFill>
+                  <a:srgbClr val="4EC9B0"/>
+                </a:solidFill>
+                <a:effectLst/>
+                <a:latin typeface="Menlo" panose="020B0609030804020204" pitchFamily="49" charset="0"/>
+              </a:rPr>
+              <a:t>nn</a:t>
+            </a:r>
+            <a:r>
+              <a:rPr lang="en-US" sz="700" b="0" dirty="0" err="1">
+                <a:solidFill>
+                  <a:srgbClr val="CCCCCC"/>
+                </a:solidFill>
+                <a:effectLst/>
+                <a:latin typeface="Menlo" panose="020B0609030804020204" pitchFamily="49" charset="0"/>
+              </a:rPr>
+              <a:t>.</a:t>
+            </a:r>
+            <a:r>
+              <a:rPr lang="en-US" sz="700" b="0" dirty="0" err="1">
+                <a:solidFill>
+                  <a:srgbClr val="4EC9B0"/>
+                </a:solidFill>
+                <a:effectLst/>
+                <a:latin typeface="Menlo" panose="020B0609030804020204" pitchFamily="49" charset="0"/>
+              </a:rPr>
+              <a:t>Module</a:t>
+            </a:r>
+            <a:r>
+              <a:rPr lang="en-US" sz="700" b="0" dirty="0">
+                <a:solidFill>
+                  <a:srgbClr val="CCCCCC"/>
+                </a:solidFill>
+                <a:effectLst/>
+                <a:latin typeface="Menlo" panose="020B0609030804020204" pitchFamily="49" charset="0"/>
+              </a:rPr>
+              <a:t>):</a:t>
+            </a:r>
+          </a:p>
+          <a:p>
+            <a:r>
+              <a:rPr lang="en-US" sz="700" dirty="0">
+                <a:solidFill>
+                  <a:srgbClr val="CCCCCC"/>
+                </a:solidFill>
+                <a:latin typeface="Menlo" panose="020B0609030804020204" pitchFamily="49" charset="0"/>
+              </a:rPr>
+              <a:t>    </a:t>
+            </a:r>
+            <a:r>
+              <a:rPr lang="en-US" sz="700" b="0" dirty="0">
+                <a:solidFill>
+                  <a:srgbClr val="569CD6"/>
+                </a:solidFill>
+                <a:effectLst/>
+                <a:latin typeface="Menlo" panose="020B0609030804020204" pitchFamily="49" charset="0"/>
+              </a:rPr>
+              <a:t>def</a:t>
+            </a:r>
+            <a:r>
+              <a:rPr lang="en-US" sz="700" b="0" dirty="0">
+                <a:solidFill>
+                  <a:srgbClr val="CCCCCC"/>
+                </a:solidFill>
+                <a:effectLst/>
+                <a:latin typeface="Menlo" panose="020B0609030804020204" pitchFamily="49" charset="0"/>
+              </a:rPr>
+              <a:t> </a:t>
+            </a:r>
+            <a:r>
+              <a:rPr lang="en-US" sz="700" b="0" dirty="0">
+                <a:solidFill>
+                  <a:srgbClr val="DCDCAA"/>
+                </a:solidFill>
+                <a:effectLst/>
+                <a:latin typeface="Menlo" panose="020B0609030804020204" pitchFamily="49" charset="0"/>
+              </a:rPr>
+              <a:t>__</a:t>
+            </a:r>
+            <a:r>
+              <a:rPr lang="en-US" sz="700" b="0" dirty="0" err="1">
+                <a:solidFill>
+                  <a:srgbClr val="DCDCAA"/>
+                </a:solidFill>
+                <a:effectLst/>
+                <a:latin typeface="Menlo" panose="020B0609030804020204" pitchFamily="49" charset="0"/>
+              </a:rPr>
+              <a:t>init</a:t>
+            </a:r>
+            <a:r>
+              <a:rPr lang="en-US" sz="700" b="0" dirty="0">
+                <a:solidFill>
+                  <a:srgbClr val="DCDCAA"/>
+                </a:solidFill>
+                <a:effectLst/>
+                <a:latin typeface="Menlo" panose="020B0609030804020204" pitchFamily="49" charset="0"/>
+              </a:rPr>
+              <a:t>__</a:t>
+            </a:r>
+            <a:r>
+              <a:rPr lang="en-US" sz="700" b="0" dirty="0">
+                <a:solidFill>
+                  <a:srgbClr val="CCCCCC"/>
+                </a:solidFill>
+                <a:effectLst/>
+                <a:latin typeface="Menlo" panose="020B0609030804020204" pitchFamily="49" charset="0"/>
+              </a:rPr>
+              <a:t>(</a:t>
+            </a:r>
+            <a:r>
+              <a:rPr lang="en-US" sz="700" b="0" dirty="0">
+                <a:solidFill>
+                  <a:srgbClr val="9CDCFE"/>
+                </a:solidFill>
+                <a:effectLst/>
+                <a:latin typeface="Menlo" panose="020B0609030804020204" pitchFamily="49" charset="0"/>
+              </a:rPr>
+              <a:t>self</a:t>
+            </a:r>
+            <a:r>
+              <a:rPr lang="en-US" sz="700" b="0" dirty="0">
+                <a:solidFill>
+                  <a:srgbClr val="CCCCCC"/>
+                </a:solidFill>
+                <a:effectLst/>
+                <a:latin typeface="Menlo" panose="020B0609030804020204" pitchFamily="49" charset="0"/>
+              </a:rPr>
+              <a:t>, </a:t>
+            </a:r>
+            <a:r>
+              <a:rPr lang="en-US" sz="700" b="0" dirty="0" err="1">
+                <a:solidFill>
+                  <a:srgbClr val="9CDCFE"/>
+                </a:solidFill>
+                <a:effectLst/>
+                <a:latin typeface="Menlo" panose="020B0609030804020204" pitchFamily="49" charset="0"/>
+              </a:rPr>
+              <a:t>input_size</a:t>
+            </a:r>
+            <a:r>
+              <a:rPr lang="en-US" sz="700" b="0" dirty="0">
+                <a:solidFill>
+                  <a:srgbClr val="CCCCCC"/>
+                </a:solidFill>
+                <a:effectLst/>
+                <a:latin typeface="Menlo" panose="020B0609030804020204" pitchFamily="49" charset="0"/>
+              </a:rPr>
+              <a:t>, </a:t>
+            </a:r>
+            <a:r>
+              <a:rPr lang="en-US" sz="700" b="0" dirty="0" err="1">
+                <a:solidFill>
+                  <a:srgbClr val="9CDCFE"/>
+                </a:solidFill>
+                <a:effectLst/>
+                <a:latin typeface="Menlo" panose="020B0609030804020204" pitchFamily="49" charset="0"/>
+              </a:rPr>
+              <a:t>hidden_size</a:t>
+            </a:r>
+            <a:r>
+              <a:rPr lang="en-US" sz="700" b="0" dirty="0">
+                <a:solidFill>
+                  <a:srgbClr val="CCCCCC"/>
+                </a:solidFill>
+                <a:effectLst/>
+                <a:latin typeface="Menlo" panose="020B0609030804020204" pitchFamily="49" charset="0"/>
+              </a:rPr>
+              <a:t>, </a:t>
+            </a:r>
+            <a:r>
+              <a:rPr lang="en-US" sz="700" b="0" dirty="0" err="1">
+                <a:solidFill>
+                  <a:srgbClr val="9CDCFE"/>
+                </a:solidFill>
+                <a:effectLst/>
+                <a:latin typeface="Menlo" panose="020B0609030804020204" pitchFamily="49" charset="0"/>
+              </a:rPr>
+              <a:t>num_layers</a:t>
+            </a:r>
+            <a:r>
+              <a:rPr lang="en-US" sz="700" b="0" dirty="0">
+                <a:solidFill>
+                  <a:srgbClr val="CCCCCC"/>
+                </a:solidFill>
+                <a:effectLst/>
+                <a:latin typeface="Menlo" panose="020B0609030804020204" pitchFamily="49" charset="0"/>
+              </a:rPr>
+              <a:t>, </a:t>
+            </a:r>
+            <a:r>
+              <a:rPr lang="en-US" sz="700" b="0" dirty="0" err="1">
+                <a:solidFill>
+                  <a:srgbClr val="9CDCFE"/>
+                </a:solidFill>
+                <a:effectLst/>
+                <a:latin typeface="Menlo" panose="020B0609030804020204" pitchFamily="49" charset="0"/>
+              </a:rPr>
+              <a:t>output_size</a:t>
+            </a:r>
+            <a:r>
+              <a:rPr lang="en-US" sz="700" b="0" dirty="0">
+                <a:solidFill>
+                  <a:srgbClr val="CCCCCC"/>
+                </a:solidFill>
+                <a:effectLst/>
+                <a:latin typeface="Menlo" panose="020B0609030804020204" pitchFamily="49" charset="0"/>
+              </a:rPr>
+              <a:t>):</a:t>
+            </a:r>
+          </a:p>
+          <a:p>
+            <a:r>
+              <a:rPr lang="en-US" sz="700" dirty="0">
+                <a:solidFill>
+                  <a:srgbClr val="CCCCCC"/>
+                </a:solidFill>
+                <a:latin typeface="Menlo" panose="020B0609030804020204" pitchFamily="49" charset="0"/>
+              </a:rPr>
+              <a:t>        </a:t>
+            </a:r>
+            <a:r>
+              <a:rPr lang="en-US" sz="700" b="0" dirty="0">
+                <a:solidFill>
+                  <a:srgbClr val="4EC9B0"/>
+                </a:solidFill>
+                <a:effectLst/>
+                <a:latin typeface="Menlo" panose="020B0609030804020204" pitchFamily="49" charset="0"/>
+              </a:rPr>
+              <a:t>super</a:t>
+            </a:r>
+            <a:r>
+              <a:rPr lang="en-US" sz="700" b="0" dirty="0">
+                <a:solidFill>
+                  <a:srgbClr val="CCCCCC"/>
+                </a:solidFill>
+                <a:effectLst/>
+                <a:latin typeface="Menlo" panose="020B0609030804020204" pitchFamily="49" charset="0"/>
+              </a:rPr>
+              <a:t>(</a:t>
+            </a:r>
+            <a:r>
+              <a:rPr lang="en-US" sz="700" b="0" dirty="0">
+                <a:solidFill>
+                  <a:srgbClr val="4EC9B0"/>
+                </a:solidFill>
+                <a:effectLst/>
+                <a:latin typeface="Menlo" panose="020B0609030804020204" pitchFamily="49" charset="0"/>
+              </a:rPr>
+              <a:t>LSTM</a:t>
+            </a:r>
+            <a:r>
+              <a:rPr lang="en-US" sz="700" b="0" dirty="0">
+                <a:solidFill>
+                  <a:srgbClr val="CCCCCC"/>
+                </a:solidFill>
+                <a:effectLst/>
+                <a:latin typeface="Menlo" panose="020B0609030804020204" pitchFamily="49" charset="0"/>
+              </a:rPr>
+              <a:t>, </a:t>
+            </a:r>
+            <a:r>
+              <a:rPr lang="en-US" sz="700" b="0" dirty="0">
+                <a:solidFill>
+                  <a:srgbClr val="9CDCFE"/>
+                </a:solidFill>
+                <a:effectLst/>
+                <a:latin typeface="Menlo" panose="020B0609030804020204" pitchFamily="49" charset="0"/>
+              </a:rPr>
+              <a:t>self</a:t>
+            </a:r>
+            <a:r>
+              <a:rPr lang="en-US" sz="700" b="0" dirty="0">
+                <a:solidFill>
+                  <a:srgbClr val="CCCCCC"/>
+                </a:solidFill>
+                <a:effectLst/>
+                <a:latin typeface="Menlo" panose="020B0609030804020204" pitchFamily="49" charset="0"/>
+              </a:rPr>
+              <a:t>).</a:t>
+            </a:r>
+            <a:r>
+              <a:rPr lang="en-US" sz="700" b="0" dirty="0">
+                <a:solidFill>
+                  <a:srgbClr val="DCDCAA"/>
+                </a:solidFill>
+                <a:effectLst/>
+                <a:latin typeface="Menlo" panose="020B0609030804020204" pitchFamily="49" charset="0"/>
+              </a:rPr>
+              <a:t>__</a:t>
+            </a:r>
+            <a:r>
+              <a:rPr lang="en-US" sz="700" b="0" dirty="0" err="1">
+                <a:solidFill>
+                  <a:srgbClr val="DCDCAA"/>
+                </a:solidFill>
+                <a:effectLst/>
+                <a:latin typeface="Menlo" panose="020B0609030804020204" pitchFamily="49" charset="0"/>
+              </a:rPr>
+              <a:t>init</a:t>
+            </a:r>
+            <a:r>
+              <a:rPr lang="en-US" sz="700" b="0" dirty="0">
+                <a:solidFill>
+                  <a:srgbClr val="DCDCAA"/>
+                </a:solidFill>
+                <a:effectLst/>
+                <a:latin typeface="Menlo" panose="020B0609030804020204" pitchFamily="49" charset="0"/>
+              </a:rPr>
+              <a:t>__</a:t>
+            </a:r>
+            <a:r>
+              <a:rPr lang="en-US" sz="700" b="0" dirty="0">
+                <a:solidFill>
+                  <a:srgbClr val="CCCCCC"/>
+                </a:solidFill>
+                <a:effectLst/>
+                <a:latin typeface="Menlo" panose="020B0609030804020204" pitchFamily="49" charset="0"/>
+              </a:rPr>
+              <a:t>()</a:t>
+            </a:r>
+          </a:p>
+          <a:p>
+            <a:r>
+              <a:rPr lang="en-US" sz="700" dirty="0">
+                <a:solidFill>
+                  <a:srgbClr val="CCCCCC"/>
+                </a:solidFill>
+                <a:latin typeface="Menlo" panose="020B0609030804020204" pitchFamily="49" charset="0"/>
+              </a:rPr>
+              <a:t>        </a:t>
+            </a:r>
+            <a:r>
+              <a:rPr lang="en-US" sz="700" b="0" dirty="0" err="1">
+                <a:solidFill>
+                  <a:srgbClr val="9CDCFE"/>
+                </a:solidFill>
+                <a:effectLst/>
+                <a:latin typeface="Menlo" panose="020B0609030804020204" pitchFamily="49" charset="0"/>
+              </a:rPr>
+              <a:t>self</a:t>
+            </a:r>
+            <a:r>
+              <a:rPr lang="en-US" sz="700" b="0" dirty="0" err="1">
+                <a:solidFill>
+                  <a:srgbClr val="CCCCCC"/>
+                </a:solidFill>
+                <a:effectLst/>
+                <a:latin typeface="Menlo" panose="020B0609030804020204" pitchFamily="49" charset="0"/>
+              </a:rPr>
+              <a:t>.</a:t>
+            </a:r>
+            <a:r>
+              <a:rPr lang="en-US" sz="700" b="0" dirty="0" err="1">
+                <a:solidFill>
+                  <a:srgbClr val="9CDCFE"/>
+                </a:solidFill>
+                <a:effectLst/>
+                <a:latin typeface="Menlo" panose="020B0609030804020204" pitchFamily="49" charset="0"/>
+              </a:rPr>
+              <a:t>hidden_size</a:t>
+            </a:r>
+            <a:r>
+              <a:rPr lang="en-US" sz="700" b="0" dirty="0">
+                <a:solidFill>
+                  <a:srgbClr val="CCCCCC"/>
+                </a:solidFill>
+                <a:effectLst/>
+                <a:latin typeface="Menlo" panose="020B0609030804020204" pitchFamily="49" charset="0"/>
+              </a:rPr>
+              <a:t> </a:t>
+            </a:r>
+            <a:r>
+              <a:rPr lang="en-US" sz="700" b="0" dirty="0">
+                <a:solidFill>
+                  <a:srgbClr val="D4D4D4"/>
+                </a:solidFill>
+                <a:effectLst/>
+                <a:latin typeface="Menlo" panose="020B0609030804020204" pitchFamily="49" charset="0"/>
+              </a:rPr>
+              <a:t>=</a:t>
+            </a:r>
+            <a:r>
+              <a:rPr lang="en-US" sz="700" b="0" dirty="0">
+                <a:solidFill>
+                  <a:srgbClr val="CCCCCC"/>
+                </a:solidFill>
+                <a:effectLst/>
+                <a:latin typeface="Menlo" panose="020B0609030804020204" pitchFamily="49" charset="0"/>
+              </a:rPr>
+              <a:t> </a:t>
+            </a:r>
+            <a:r>
+              <a:rPr lang="en-US" sz="700" b="0" dirty="0" err="1">
+                <a:solidFill>
+                  <a:srgbClr val="9CDCFE"/>
+                </a:solidFill>
+                <a:effectLst/>
+                <a:latin typeface="Menlo" panose="020B0609030804020204" pitchFamily="49" charset="0"/>
+              </a:rPr>
+              <a:t>hidden_size</a:t>
+            </a:r>
+            <a:endParaRPr lang="en-US" sz="700" b="0" dirty="0">
+              <a:solidFill>
+                <a:srgbClr val="9CDCFE"/>
+              </a:solidFill>
+              <a:effectLst/>
+              <a:latin typeface="Menlo" panose="020B0609030804020204" pitchFamily="49" charset="0"/>
+            </a:endParaRPr>
+          </a:p>
+          <a:p>
+            <a:r>
+              <a:rPr lang="en-US" sz="700" dirty="0">
+                <a:solidFill>
+                  <a:srgbClr val="9CDCFE"/>
+                </a:solidFill>
+                <a:latin typeface="Menlo" panose="020B0609030804020204" pitchFamily="49" charset="0"/>
+              </a:rPr>
+              <a:t>        </a:t>
+            </a:r>
+            <a:r>
+              <a:rPr lang="en-US" sz="700" b="0" dirty="0" err="1">
+                <a:solidFill>
+                  <a:srgbClr val="9CDCFE"/>
+                </a:solidFill>
+                <a:effectLst/>
+                <a:latin typeface="Menlo" panose="020B0609030804020204" pitchFamily="49" charset="0"/>
+              </a:rPr>
+              <a:t>self</a:t>
+            </a:r>
+            <a:r>
+              <a:rPr lang="en-US" sz="700" b="0" dirty="0" err="1">
+                <a:solidFill>
+                  <a:srgbClr val="CCCCCC"/>
+                </a:solidFill>
+                <a:effectLst/>
+                <a:latin typeface="Menlo" panose="020B0609030804020204" pitchFamily="49" charset="0"/>
+              </a:rPr>
+              <a:t>.</a:t>
+            </a:r>
+            <a:r>
+              <a:rPr lang="en-US" sz="700" b="0" dirty="0" err="1">
+                <a:solidFill>
+                  <a:srgbClr val="9CDCFE"/>
+                </a:solidFill>
+                <a:effectLst/>
+                <a:latin typeface="Menlo" panose="020B0609030804020204" pitchFamily="49" charset="0"/>
+              </a:rPr>
+              <a:t>num_layers</a:t>
+            </a:r>
+            <a:r>
+              <a:rPr lang="en-US" sz="700" b="0" dirty="0">
+                <a:solidFill>
+                  <a:srgbClr val="CCCCCC"/>
+                </a:solidFill>
+                <a:effectLst/>
+                <a:latin typeface="Menlo" panose="020B0609030804020204" pitchFamily="49" charset="0"/>
+              </a:rPr>
+              <a:t> </a:t>
+            </a:r>
+            <a:r>
+              <a:rPr lang="en-US" sz="700" b="0" dirty="0">
+                <a:solidFill>
+                  <a:srgbClr val="D4D4D4"/>
+                </a:solidFill>
+                <a:effectLst/>
+                <a:latin typeface="Menlo" panose="020B0609030804020204" pitchFamily="49" charset="0"/>
+              </a:rPr>
+              <a:t>=</a:t>
+            </a:r>
+            <a:r>
+              <a:rPr lang="en-US" sz="700" b="0" dirty="0">
+                <a:solidFill>
+                  <a:srgbClr val="CCCCCC"/>
+                </a:solidFill>
+                <a:effectLst/>
+                <a:latin typeface="Menlo" panose="020B0609030804020204" pitchFamily="49" charset="0"/>
+              </a:rPr>
+              <a:t> </a:t>
+            </a:r>
+            <a:r>
+              <a:rPr lang="en-US" sz="700" b="0" dirty="0" err="1">
+                <a:solidFill>
+                  <a:srgbClr val="9CDCFE"/>
+                </a:solidFill>
+                <a:effectLst/>
+                <a:latin typeface="Menlo" panose="020B0609030804020204" pitchFamily="49" charset="0"/>
+              </a:rPr>
+              <a:t>num_layers</a:t>
+            </a:r>
+            <a:endParaRPr lang="en-US" sz="700" b="0" dirty="0">
+              <a:solidFill>
+                <a:srgbClr val="9CDCFE"/>
+              </a:solidFill>
+              <a:effectLst/>
+              <a:latin typeface="Menlo" panose="020B0609030804020204" pitchFamily="49" charset="0"/>
+            </a:endParaRPr>
+          </a:p>
+          <a:p>
+            <a:r>
+              <a:rPr lang="en-US" sz="700" dirty="0">
+                <a:solidFill>
+                  <a:srgbClr val="9CDCFE"/>
+                </a:solidFill>
+                <a:latin typeface="Menlo" panose="020B0609030804020204" pitchFamily="49" charset="0"/>
+              </a:rPr>
+              <a:t>        </a:t>
+            </a:r>
+            <a:r>
+              <a:rPr lang="en-US" sz="700" b="0" dirty="0" err="1">
+                <a:solidFill>
+                  <a:srgbClr val="9CDCFE"/>
+                </a:solidFill>
+                <a:effectLst/>
+                <a:latin typeface="Menlo" panose="020B0609030804020204" pitchFamily="49" charset="0"/>
+              </a:rPr>
+              <a:t>self</a:t>
+            </a:r>
+            <a:r>
+              <a:rPr lang="en-US" sz="700" b="0" dirty="0" err="1">
+                <a:solidFill>
+                  <a:srgbClr val="CCCCCC"/>
+                </a:solidFill>
+                <a:effectLst/>
+                <a:latin typeface="Menlo" panose="020B0609030804020204" pitchFamily="49" charset="0"/>
+              </a:rPr>
+              <a:t>.</a:t>
+            </a:r>
+            <a:r>
+              <a:rPr lang="en-US" sz="700" b="0" dirty="0" err="1">
+                <a:solidFill>
+                  <a:srgbClr val="9CDCFE"/>
+                </a:solidFill>
+                <a:effectLst/>
+                <a:latin typeface="Menlo" panose="020B0609030804020204" pitchFamily="49" charset="0"/>
+              </a:rPr>
+              <a:t>lstm</a:t>
+            </a:r>
+            <a:r>
+              <a:rPr lang="en-US" sz="700" b="0" dirty="0">
+                <a:solidFill>
+                  <a:srgbClr val="CCCCCC"/>
+                </a:solidFill>
+                <a:effectLst/>
+                <a:latin typeface="Menlo" panose="020B0609030804020204" pitchFamily="49" charset="0"/>
+              </a:rPr>
+              <a:t> </a:t>
+            </a:r>
+            <a:r>
+              <a:rPr lang="en-US" sz="700" b="0" dirty="0">
+                <a:solidFill>
+                  <a:srgbClr val="D4D4D4"/>
+                </a:solidFill>
+                <a:effectLst/>
+                <a:latin typeface="Menlo" panose="020B0609030804020204" pitchFamily="49" charset="0"/>
+              </a:rPr>
+              <a:t>=</a:t>
+            </a:r>
+            <a:r>
+              <a:rPr lang="en-US" sz="700" b="0" dirty="0">
+                <a:solidFill>
+                  <a:srgbClr val="CCCCCC"/>
+                </a:solidFill>
+                <a:effectLst/>
+                <a:latin typeface="Menlo" panose="020B0609030804020204" pitchFamily="49" charset="0"/>
+              </a:rPr>
+              <a:t> </a:t>
+            </a:r>
+            <a:r>
+              <a:rPr lang="en-US" sz="700" b="0" dirty="0" err="1">
+                <a:solidFill>
+                  <a:srgbClr val="4EC9B0"/>
+                </a:solidFill>
+                <a:effectLst/>
+                <a:latin typeface="Menlo" panose="020B0609030804020204" pitchFamily="49" charset="0"/>
+              </a:rPr>
+              <a:t>nn</a:t>
+            </a:r>
+            <a:r>
+              <a:rPr lang="en-US" sz="700" b="0" dirty="0" err="1">
+                <a:solidFill>
+                  <a:srgbClr val="CCCCCC"/>
+                </a:solidFill>
+                <a:effectLst/>
+                <a:latin typeface="Menlo" panose="020B0609030804020204" pitchFamily="49" charset="0"/>
+              </a:rPr>
+              <a:t>.LSTM</a:t>
+            </a:r>
+            <a:r>
+              <a:rPr lang="en-US" sz="700" b="0" dirty="0">
+                <a:solidFill>
+                  <a:srgbClr val="CCCCCC"/>
+                </a:solidFill>
+                <a:effectLst/>
+                <a:latin typeface="Menlo" panose="020B0609030804020204" pitchFamily="49" charset="0"/>
+              </a:rPr>
+              <a:t>(</a:t>
+            </a:r>
+            <a:r>
+              <a:rPr lang="en-US" sz="700" b="0" dirty="0" err="1">
+                <a:solidFill>
+                  <a:srgbClr val="9CDCFE"/>
+                </a:solidFill>
+                <a:effectLst/>
+                <a:latin typeface="Menlo" panose="020B0609030804020204" pitchFamily="49" charset="0"/>
+              </a:rPr>
+              <a:t>input_size</a:t>
+            </a:r>
+            <a:r>
+              <a:rPr lang="en-US" sz="700" b="0" dirty="0">
+                <a:solidFill>
+                  <a:srgbClr val="CCCCCC"/>
+                </a:solidFill>
+                <a:effectLst/>
+                <a:latin typeface="Menlo" panose="020B0609030804020204" pitchFamily="49" charset="0"/>
+              </a:rPr>
+              <a:t>,</a:t>
+            </a:r>
+          </a:p>
+          <a:p>
+            <a:r>
+              <a:rPr lang="en-US" sz="700" dirty="0">
+                <a:solidFill>
+                  <a:srgbClr val="CCCCCC"/>
+                </a:solidFill>
+                <a:latin typeface="Menlo" panose="020B0609030804020204" pitchFamily="49" charset="0"/>
+              </a:rPr>
+              <a:t>                            </a:t>
+            </a:r>
+            <a:r>
+              <a:rPr lang="en-US" sz="700" b="0" dirty="0" err="1">
+                <a:solidFill>
+                  <a:srgbClr val="9CDCFE"/>
+                </a:solidFill>
+                <a:effectLst/>
+                <a:latin typeface="Menlo" panose="020B0609030804020204" pitchFamily="49" charset="0"/>
+              </a:rPr>
+              <a:t>hidden_size</a:t>
+            </a:r>
+            <a:r>
+              <a:rPr lang="en-US" sz="700" b="0" dirty="0">
+                <a:solidFill>
+                  <a:srgbClr val="CCCCCC"/>
+                </a:solidFill>
+                <a:effectLst/>
+                <a:latin typeface="Menlo" panose="020B0609030804020204" pitchFamily="49" charset="0"/>
+              </a:rPr>
+              <a:t>,</a:t>
+            </a:r>
+          </a:p>
+          <a:p>
+            <a:r>
+              <a:rPr lang="en-US" sz="700" dirty="0">
+                <a:solidFill>
+                  <a:srgbClr val="CCCCCC"/>
+                </a:solidFill>
+                <a:latin typeface="Menlo" panose="020B0609030804020204" pitchFamily="49" charset="0"/>
+              </a:rPr>
+              <a:t>                            </a:t>
+            </a:r>
+            <a:r>
+              <a:rPr lang="en-US" sz="700" b="0" dirty="0" err="1">
+                <a:solidFill>
+                  <a:srgbClr val="9CDCFE"/>
+                </a:solidFill>
+                <a:effectLst/>
+                <a:latin typeface="Menlo" panose="020B0609030804020204" pitchFamily="49" charset="0"/>
+              </a:rPr>
+              <a:t>num_layers</a:t>
+            </a:r>
+            <a:r>
+              <a:rPr lang="en-US" sz="700" b="0" dirty="0">
+                <a:solidFill>
+                  <a:srgbClr val="CCCCCC"/>
+                </a:solidFill>
+                <a:effectLst/>
+                <a:latin typeface="Menlo" panose="020B0609030804020204" pitchFamily="49" charset="0"/>
+              </a:rPr>
+              <a:t>,</a:t>
+            </a:r>
+          </a:p>
+          <a:p>
+            <a:r>
+              <a:rPr lang="en-US" sz="700" b="0" dirty="0">
+                <a:solidFill>
+                  <a:srgbClr val="9CDCFE"/>
+                </a:solidFill>
+                <a:effectLst/>
+                <a:latin typeface="Menlo" panose="020B0609030804020204" pitchFamily="49" charset="0"/>
+              </a:rPr>
+              <a:t>                            dropout</a:t>
+            </a:r>
+            <a:r>
+              <a:rPr lang="en-US" sz="700" b="0" dirty="0">
+                <a:solidFill>
+                  <a:srgbClr val="D4D4D4"/>
+                </a:solidFill>
+                <a:effectLst/>
+                <a:latin typeface="Menlo" panose="020B0609030804020204" pitchFamily="49" charset="0"/>
+              </a:rPr>
+              <a:t>=</a:t>
+            </a:r>
+            <a:r>
+              <a:rPr lang="en-US" sz="700" dirty="0">
+                <a:solidFill>
+                  <a:srgbClr val="569CD6"/>
+                </a:solidFill>
+                <a:latin typeface="Menlo" panose="020B0609030804020204" pitchFamily="49" charset="0"/>
+              </a:rPr>
+              <a:t>0.1</a:t>
+            </a:r>
+            <a:endParaRPr lang="en-US" sz="700" b="0" dirty="0">
+              <a:solidFill>
+                <a:srgbClr val="CCCCCC"/>
+              </a:solidFill>
+              <a:effectLst/>
+              <a:latin typeface="Menlo" panose="020B0609030804020204" pitchFamily="49" charset="0"/>
+            </a:endParaRPr>
+          </a:p>
+          <a:p>
+            <a:r>
+              <a:rPr lang="en-US" sz="700" dirty="0">
+                <a:solidFill>
+                  <a:srgbClr val="CCCCCC"/>
+                </a:solidFill>
+                <a:latin typeface="Menlo" panose="020B0609030804020204" pitchFamily="49" charset="0"/>
+              </a:rPr>
+              <a:t>                            </a:t>
+            </a:r>
+            <a:r>
+              <a:rPr lang="en-US" sz="700" b="0" dirty="0" err="1">
+                <a:solidFill>
+                  <a:srgbClr val="9CDCFE"/>
+                </a:solidFill>
+                <a:effectLst/>
+                <a:latin typeface="Menlo" panose="020B0609030804020204" pitchFamily="49" charset="0"/>
+              </a:rPr>
+              <a:t>batch_first</a:t>
+            </a:r>
+            <a:r>
+              <a:rPr lang="en-US" sz="700" b="0" dirty="0">
+                <a:solidFill>
+                  <a:srgbClr val="D4D4D4"/>
+                </a:solidFill>
+                <a:effectLst/>
+                <a:latin typeface="Menlo" panose="020B0609030804020204" pitchFamily="49" charset="0"/>
+              </a:rPr>
+              <a:t>=</a:t>
+            </a:r>
+            <a:r>
+              <a:rPr lang="en-US" sz="700" b="0" dirty="0">
+                <a:solidFill>
+                  <a:srgbClr val="569CD6"/>
+                </a:solidFill>
+                <a:effectLst/>
+                <a:latin typeface="Menlo" panose="020B0609030804020204" pitchFamily="49" charset="0"/>
+              </a:rPr>
+              <a:t>True</a:t>
+            </a:r>
+            <a:r>
+              <a:rPr lang="en-US" sz="700" b="0" dirty="0">
+                <a:solidFill>
+                  <a:srgbClr val="CCCCCC"/>
+                </a:solidFill>
+                <a:effectLst/>
+                <a:latin typeface="Menlo" panose="020B0609030804020204" pitchFamily="49" charset="0"/>
+              </a:rPr>
+              <a:t>)</a:t>
+            </a:r>
+          </a:p>
+          <a:p>
+            <a:r>
+              <a:rPr lang="en-US" sz="700" dirty="0">
+                <a:solidFill>
+                  <a:srgbClr val="CCCCCC"/>
+                </a:solidFill>
+                <a:latin typeface="Menlo" panose="020B0609030804020204" pitchFamily="49" charset="0"/>
+              </a:rPr>
+              <a:t>        </a:t>
+            </a:r>
+            <a:r>
+              <a:rPr lang="en-US" sz="700" b="0" dirty="0" err="1">
+                <a:solidFill>
+                  <a:srgbClr val="9CDCFE"/>
+                </a:solidFill>
+                <a:effectLst/>
+                <a:latin typeface="Menlo" panose="020B0609030804020204" pitchFamily="49" charset="0"/>
+              </a:rPr>
+              <a:t>self</a:t>
+            </a:r>
+            <a:r>
+              <a:rPr lang="en-US" sz="700" b="0" dirty="0" err="1">
+                <a:solidFill>
+                  <a:srgbClr val="CCCCCC"/>
+                </a:solidFill>
+                <a:effectLst/>
+                <a:latin typeface="Menlo" panose="020B0609030804020204" pitchFamily="49" charset="0"/>
+              </a:rPr>
+              <a:t>.</a:t>
+            </a:r>
+            <a:r>
+              <a:rPr lang="en-US" sz="700" b="0" dirty="0" err="1">
+                <a:solidFill>
+                  <a:srgbClr val="9CDCFE"/>
+                </a:solidFill>
+                <a:effectLst/>
+                <a:latin typeface="Menlo" panose="020B0609030804020204" pitchFamily="49" charset="0"/>
+              </a:rPr>
+              <a:t>lin</a:t>
+            </a:r>
+            <a:r>
+              <a:rPr lang="en-US" sz="700" b="0" dirty="0">
+                <a:solidFill>
+                  <a:srgbClr val="CCCCCC"/>
+                </a:solidFill>
+                <a:effectLst/>
+                <a:latin typeface="Menlo" panose="020B0609030804020204" pitchFamily="49" charset="0"/>
+              </a:rPr>
+              <a:t> </a:t>
+            </a:r>
+            <a:r>
+              <a:rPr lang="en-US" sz="700" b="0" dirty="0">
+                <a:solidFill>
+                  <a:srgbClr val="D4D4D4"/>
+                </a:solidFill>
+                <a:effectLst/>
+                <a:latin typeface="Menlo" panose="020B0609030804020204" pitchFamily="49" charset="0"/>
+              </a:rPr>
+              <a:t>=</a:t>
+            </a:r>
+            <a:r>
+              <a:rPr lang="en-US" sz="700" b="0" dirty="0">
+                <a:solidFill>
+                  <a:srgbClr val="CCCCCC"/>
+                </a:solidFill>
+                <a:effectLst/>
+                <a:latin typeface="Menlo" panose="020B0609030804020204" pitchFamily="49" charset="0"/>
+              </a:rPr>
+              <a:t> </a:t>
+            </a:r>
+            <a:r>
+              <a:rPr lang="en-US" sz="700" b="0" dirty="0" err="1">
+                <a:solidFill>
+                  <a:srgbClr val="4EC9B0"/>
+                </a:solidFill>
+                <a:effectLst/>
+                <a:latin typeface="Menlo" panose="020B0609030804020204" pitchFamily="49" charset="0"/>
+              </a:rPr>
+              <a:t>nn</a:t>
+            </a:r>
+            <a:r>
+              <a:rPr lang="en-US" sz="700" b="0" dirty="0" err="1">
+                <a:solidFill>
+                  <a:srgbClr val="CCCCCC"/>
+                </a:solidFill>
+                <a:effectLst/>
+                <a:latin typeface="Menlo" panose="020B0609030804020204" pitchFamily="49" charset="0"/>
+              </a:rPr>
+              <a:t>.Linear</a:t>
+            </a:r>
+            <a:r>
+              <a:rPr lang="en-US" sz="700" b="0" dirty="0">
+                <a:solidFill>
+                  <a:srgbClr val="CCCCCC"/>
+                </a:solidFill>
+                <a:effectLst/>
+                <a:latin typeface="Menlo" panose="020B0609030804020204" pitchFamily="49" charset="0"/>
+              </a:rPr>
+              <a:t>(</a:t>
+            </a:r>
+            <a:r>
+              <a:rPr lang="en-US" sz="700" b="0" dirty="0" err="1">
+                <a:solidFill>
+                  <a:srgbClr val="9CDCFE"/>
+                </a:solidFill>
+                <a:effectLst/>
+                <a:latin typeface="Menlo" panose="020B0609030804020204" pitchFamily="49" charset="0"/>
+              </a:rPr>
+              <a:t>hidden_size</a:t>
+            </a:r>
+            <a:r>
+              <a:rPr lang="en-US" sz="700" b="0" dirty="0">
+                <a:solidFill>
+                  <a:srgbClr val="CCCCCC"/>
+                </a:solidFill>
+                <a:effectLst/>
+                <a:latin typeface="Menlo" panose="020B0609030804020204" pitchFamily="49" charset="0"/>
+              </a:rPr>
+              <a:t>, </a:t>
+            </a:r>
+            <a:r>
+              <a:rPr lang="en-US" sz="700" b="0" dirty="0" err="1">
+                <a:solidFill>
+                  <a:srgbClr val="9CDCFE"/>
+                </a:solidFill>
+                <a:effectLst/>
+                <a:latin typeface="Menlo" panose="020B0609030804020204" pitchFamily="49" charset="0"/>
+              </a:rPr>
+              <a:t>output_size</a:t>
+            </a:r>
+            <a:r>
+              <a:rPr lang="en-US" sz="700" b="0" dirty="0">
+                <a:solidFill>
+                  <a:srgbClr val="CCCCCC"/>
+                </a:solidFill>
+                <a:effectLst/>
+                <a:latin typeface="Menlo" panose="020B0609030804020204" pitchFamily="49" charset="0"/>
+              </a:rPr>
+              <a:t>)</a:t>
+            </a:r>
+          </a:p>
+          <a:p>
+            <a:endParaRPr lang="en-US" sz="700" b="0" dirty="0">
+              <a:solidFill>
+                <a:srgbClr val="569CD6"/>
+              </a:solidFill>
+              <a:effectLst/>
+              <a:latin typeface="Menlo" panose="020B0609030804020204" pitchFamily="49" charset="0"/>
+            </a:endParaRPr>
+          </a:p>
+          <a:p>
+            <a:r>
+              <a:rPr lang="en-US" sz="700" dirty="0">
+                <a:solidFill>
+                  <a:srgbClr val="569CD6"/>
+                </a:solidFill>
+                <a:latin typeface="Menlo" panose="020B0609030804020204" pitchFamily="49" charset="0"/>
+              </a:rPr>
+              <a:t>    </a:t>
+            </a:r>
+            <a:r>
+              <a:rPr lang="en-US" sz="700" b="0" dirty="0">
+                <a:solidFill>
+                  <a:srgbClr val="569CD6"/>
+                </a:solidFill>
+                <a:effectLst/>
+                <a:latin typeface="Menlo" panose="020B0609030804020204" pitchFamily="49" charset="0"/>
+              </a:rPr>
+              <a:t>def</a:t>
+            </a:r>
+            <a:r>
+              <a:rPr lang="en-US" sz="700" b="0" dirty="0">
+                <a:solidFill>
+                  <a:srgbClr val="CCCCCC"/>
+                </a:solidFill>
+                <a:effectLst/>
+                <a:latin typeface="Menlo" panose="020B0609030804020204" pitchFamily="49" charset="0"/>
+              </a:rPr>
+              <a:t> </a:t>
+            </a:r>
+            <a:r>
+              <a:rPr lang="en-US" sz="700" b="0" dirty="0">
+                <a:solidFill>
+                  <a:srgbClr val="DCDCAA"/>
+                </a:solidFill>
+                <a:effectLst/>
+                <a:latin typeface="Menlo" panose="020B0609030804020204" pitchFamily="49" charset="0"/>
+              </a:rPr>
+              <a:t>forward</a:t>
+            </a:r>
+            <a:r>
+              <a:rPr lang="en-US" sz="700" b="0" dirty="0">
+                <a:solidFill>
+                  <a:srgbClr val="CCCCCC"/>
+                </a:solidFill>
+                <a:effectLst/>
+                <a:latin typeface="Menlo" panose="020B0609030804020204" pitchFamily="49" charset="0"/>
+              </a:rPr>
+              <a:t>(</a:t>
+            </a:r>
+            <a:r>
+              <a:rPr lang="en-US" sz="700" b="0" dirty="0">
+                <a:solidFill>
+                  <a:srgbClr val="9CDCFE"/>
+                </a:solidFill>
+                <a:effectLst/>
+                <a:latin typeface="Menlo" panose="020B0609030804020204" pitchFamily="49" charset="0"/>
+              </a:rPr>
+              <a:t>self</a:t>
+            </a:r>
+            <a:r>
+              <a:rPr lang="en-US" sz="700" b="0" dirty="0">
+                <a:solidFill>
+                  <a:srgbClr val="CCCCCC"/>
+                </a:solidFill>
+                <a:effectLst/>
+                <a:latin typeface="Menlo" panose="020B0609030804020204" pitchFamily="49" charset="0"/>
+              </a:rPr>
+              <a:t>, </a:t>
+            </a:r>
+            <a:r>
+              <a:rPr lang="en-US" sz="700" b="0" dirty="0">
+                <a:solidFill>
+                  <a:srgbClr val="9CDCFE"/>
+                </a:solidFill>
+                <a:effectLst/>
+                <a:latin typeface="Menlo" panose="020B0609030804020204" pitchFamily="49" charset="0"/>
+              </a:rPr>
+              <a:t>x</a:t>
+            </a:r>
+            <a:r>
+              <a:rPr lang="en-US" sz="700" b="0" dirty="0">
+                <a:solidFill>
+                  <a:srgbClr val="CCCCCC"/>
+                </a:solidFill>
+                <a:effectLst/>
+                <a:latin typeface="Menlo" panose="020B0609030804020204" pitchFamily="49" charset="0"/>
+              </a:rPr>
+              <a:t>):</a:t>
+            </a:r>
+          </a:p>
+          <a:p>
+            <a:r>
+              <a:rPr lang="en-US" sz="700" dirty="0">
+                <a:solidFill>
+                  <a:srgbClr val="CCCCCC"/>
+                </a:solidFill>
+                <a:latin typeface="Menlo" panose="020B0609030804020204" pitchFamily="49" charset="0"/>
+              </a:rPr>
+              <a:t>        </a:t>
+            </a:r>
+            <a:r>
+              <a:rPr lang="en-US" sz="700" dirty="0">
+                <a:solidFill>
+                  <a:srgbClr val="9CDCFE"/>
+                </a:solidFill>
+                <a:latin typeface="Menlo" panose="020B0609030804020204" pitchFamily="49" charset="0"/>
+              </a:rPr>
+              <a:t>y = </a:t>
+            </a:r>
+            <a:r>
+              <a:rPr lang="en-US" sz="700" b="0" dirty="0">
+                <a:solidFill>
+                  <a:srgbClr val="9CDCFE"/>
+                </a:solidFill>
+                <a:effectLst/>
+                <a:latin typeface="Menlo" panose="020B0609030804020204" pitchFamily="49" charset="0"/>
+              </a:rPr>
+              <a:t>x </a:t>
+            </a:r>
+          </a:p>
+          <a:p>
+            <a:r>
+              <a:rPr lang="en-US" sz="700" b="0" dirty="0">
+                <a:solidFill>
+                  <a:srgbClr val="9CDCFE"/>
+                </a:solidFill>
+                <a:effectLst/>
+                <a:latin typeface="Menlo" panose="020B0609030804020204" pitchFamily="49" charset="0"/>
+              </a:rPr>
+              <a:t>        y</a:t>
+            </a:r>
+            <a:r>
+              <a:rPr lang="en-US" sz="700" b="0" dirty="0">
+                <a:solidFill>
+                  <a:srgbClr val="CCCCCC"/>
+                </a:solidFill>
+                <a:effectLst/>
+                <a:latin typeface="Menlo" panose="020B0609030804020204" pitchFamily="49" charset="0"/>
+              </a:rPr>
+              <a:t>, </a:t>
+            </a:r>
+            <a:r>
+              <a:rPr lang="en-US" sz="700" b="0" dirty="0">
+                <a:solidFill>
+                  <a:srgbClr val="9CDCFE"/>
+                </a:solidFill>
+                <a:effectLst/>
+                <a:latin typeface="Menlo" panose="020B0609030804020204" pitchFamily="49" charset="0"/>
+              </a:rPr>
+              <a:t>_</a:t>
+            </a:r>
+            <a:r>
+              <a:rPr lang="en-US" sz="700" b="0" dirty="0">
+                <a:solidFill>
+                  <a:srgbClr val="CCCCCC"/>
+                </a:solidFill>
+                <a:effectLst/>
+                <a:latin typeface="Menlo" panose="020B0609030804020204" pitchFamily="49" charset="0"/>
+              </a:rPr>
+              <a:t> </a:t>
+            </a:r>
+            <a:r>
+              <a:rPr lang="en-US" sz="700" b="0" dirty="0">
+                <a:solidFill>
+                  <a:srgbClr val="D4D4D4"/>
+                </a:solidFill>
+                <a:effectLst/>
+                <a:latin typeface="Menlo" panose="020B0609030804020204" pitchFamily="49" charset="0"/>
+              </a:rPr>
+              <a:t>=</a:t>
+            </a:r>
+            <a:r>
+              <a:rPr lang="en-US" sz="700" b="0" dirty="0">
+                <a:solidFill>
+                  <a:srgbClr val="CCCCCC"/>
+                </a:solidFill>
+                <a:effectLst/>
+                <a:latin typeface="Menlo" panose="020B0609030804020204" pitchFamily="49" charset="0"/>
+              </a:rPr>
+              <a:t> </a:t>
+            </a:r>
+            <a:r>
+              <a:rPr lang="en-US" sz="700" b="0" dirty="0" err="1">
+                <a:solidFill>
+                  <a:srgbClr val="9CDCFE"/>
+                </a:solidFill>
+                <a:effectLst/>
+                <a:latin typeface="Menlo" panose="020B0609030804020204" pitchFamily="49" charset="0"/>
+              </a:rPr>
+              <a:t>self</a:t>
+            </a:r>
+            <a:r>
+              <a:rPr lang="en-US" sz="700" b="0" dirty="0" err="1">
+                <a:solidFill>
+                  <a:srgbClr val="CCCCCC"/>
+                </a:solidFill>
+                <a:effectLst/>
+                <a:latin typeface="Menlo" panose="020B0609030804020204" pitchFamily="49" charset="0"/>
+              </a:rPr>
+              <a:t>.</a:t>
+            </a:r>
+            <a:r>
+              <a:rPr lang="en-US" sz="700" b="0" dirty="0" err="1">
+                <a:solidFill>
+                  <a:srgbClr val="9CDCFE"/>
+                </a:solidFill>
+                <a:effectLst/>
+                <a:latin typeface="Menlo" panose="020B0609030804020204" pitchFamily="49" charset="0"/>
+              </a:rPr>
+              <a:t>lstm</a:t>
+            </a:r>
+            <a:r>
+              <a:rPr lang="en-US" sz="700" b="0" dirty="0">
+                <a:solidFill>
+                  <a:srgbClr val="CCCCCC"/>
+                </a:solidFill>
+                <a:effectLst/>
+                <a:latin typeface="Menlo" panose="020B0609030804020204" pitchFamily="49" charset="0"/>
+              </a:rPr>
+              <a:t>(</a:t>
+            </a:r>
+            <a:r>
+              <a:rPr lang="en-US" sz="700" dirty="0">
+                <a:solidFill>
+                  <a:srgbClr val="9CDCFE"/>
+                </a:solidFill>
+                <a:latin typeface="Menlo" panose="020B0609030804020204" pitchFamily="49" charset="0"/>
+              </a:rPr>
+              <a:t>y</a:t>
+            </a:r>
+            <a:r>
+              <a:rPr lang="en-US" sz="700" dirty="0">
+                <a:solidFill>
+                  <a:srgbClr val="CCCCCC"/>
+                </a:solidFill>
+                <a:latin typeface="Menlo" panose="020B0609030804020204" pitchFamily="49" charset="0"/>
+              </a:rPr>
+              <a:t>)</a:t>
+            </a:r>
+            <a:endParaRPr lang="en-US" sz="700" b="0" dirty="0">
+              <a:solidFill>
+                <a:srgbClr val="CCCCCC"/>
+              </a:solidFill>
+              <a:effectLst/>
+              <a:latin typeface="Menlo" panose="020B0609030804020204" pitchFamily="49" charset="0"/>
+            </a:endParaRPr>
+          </a:p>
+          <a:p>
+            <a:r>
+              <a:rPr lang="en-US" sz="700" dirty="0">
+                <a:solidFill>
+                  <a:srgbClr val="9CDCFE"/>
+                </a:solidFill>
+                <a:latin typeface="Menlo" panose="020B0609030804020204" pitchFamily="49" charset="0"/>
+              </a:rPr>
+              <a:t>        y</a:t>
+            </a:r>
+            <a:r>
+              <a:rPr lang="en-US" sz="700" b="0" dirty="0">
+                <a:solidFill>
+                  <a:srgbClr val="CCCCCC"/>
+                </a:solidFill>
+                <a:effectLst/>
+                <a:latin typeface="Menlo" panose="020B0609030804020204" pitchFamily="49" charset="0"/>
+              </a:rPr>
+              <a:t> </a:t>
+            </a:r>
+            <a:r>
+              <a:rPr lang="en-US" sz="700" b="0" dirty="0">
+                <a:solidFill>
+                  <a:srgbClr val="D4D4D4"/>
+                </a:solidFill>
+                <a:effectLst/>
+                <a:latin typeface="Menlo" panose="020B0609030804020204" pitchFamily="49" charset="0"/>
+              </a:rPr>
+              <a:t>=</a:t>
+            </a:r>
+            <a:r>
+              <a:rPr lang="en-US" sz="700" b="0" dirty="0">
+                <a:solidFill>
+                  <a:srgbClr val="CCCCCC"/>
+                </a:solidFill>
+                <a:effectLst/>
+                <a:latin typeface="Menlo" panose="020B0609030804020204" pitchFamily="49" charset="0"/>
+              </a:rPr>
+              <a:t> </a:t>
+            </a:r>
+            <a:r>
+              <a:rPr lang="en-US" sz="700" b="0" dirty="0" err="1">
+                <a:solidFill>
+                  <a:srgbClr val="9CDCFE"/>
+                </a:solidFill>
+                <a:effectLst/>
+                <a:latin typeface="Menlo" panose="020B0609030804020204" pitchFamily="49" charset="0"/>
+              </a:rPr>
+              <a:t>self</a:t>
+            </a:r>
+            <a:r>
+              <a:rPr lang="en-US" sz="700" b="0" dirty="0" err="1">
+                <a:solidFill>
+                  <a:srgbClr val="CCCCCC"/>
+                </a:solidFill>
+                <a:effectLst/>
+                <a:latin typeface="Menlo" panose="020B0609030804020204" pitchFamily="49" charset="0"/>
+              </a:rPr>
+              <a:t>.</a:t>
+            </a:r>
+            <a:r>
+              <a:rPr lang="en-US" sz="700" dirty="0" err="1">
+                <a:solidFill>
+                  <a:srgbClr val="9CDCFE"/>
+                </a:solidFill>
+                <a:latin typeface="Menlo" panose="020B0609030804020204" pitchFamily="49" charset="0"/>
+              </a:rPr>
+              <a:t>lin</a:t>
+            </a:r>
+            <a:r>
+              <a:rPr lang="en-US" sz="700" b="0" dirty="0">
+                <a:solidFill>
+                  <a:srgbClr val="CCCCCC"/>
+                </a:solidFill>
+                <a:effectLst/>
+                <a:latin typeface="Menlo" panose="020B0609030804020204" pitchFamily="49" charset="0"/>
+              </a:rPr>
+              <a:t>(</a:t>
+            </a:r>
+            <a:r>
+              <a:rPr lang="en-US" sz="700" dirty="0">
+                <a:solidFill>
+                  <a:srgbClr val="9CDCFE"/>
+                </a:solidFill>
+                <a:latin typeface="Menlo" panose="020B0609030804020204" pitchFamily="49" charset="0"/>
+              </a:rPr>
+              <a:t>y</a:t>
+            </a:r>
+            <a:r>
+              <a:rPr lang="en-US" sz="700" b="0" dirty="0">
+                <a:solidFill>
+                  <a:srgbClr val="CCCCCC"/>
+                </a:solidFill>
+                <a:effectLst/>
+                <a:latin typeface="Menlo" panose="020B0609030804020204" pitchFamily="49" charset="0"/>
+              </a:rPr>
+              <a:t>[:, </a:t>
+            </a:r>
+            <a:r>
+              <a:rPr lang="en-US" sz="700" b="0" dirty="0">
+                <a:solidFill>
+                  <a:srgbClr val="D4D4D4"/>
+                </a:solidFill>
+                <a:effectLst/>
+                <a:latin typeface="Menlo" panose="020B0609030804020204" pitchFamily="49" charset="0"/>
+              </a:rPr>
+              <a:t>-</a:t>
+            </a:r>
+            <a:r>
+              <a:rPr lang="en-US" sz="700" b="0" dirty="0">
+                <a:solidFill>
+                  <a:srgbClr val="B5CEA8"/>
+                </a:solidFill>
+                <a:effectLst/>
+                <a:latin typeface="Menlo" panose="020B0609030804020204" pitchFamily="49" charset="0"/>
+              </a:rPr>
+              <a:t>1</a:t>
+            </a:r>
+            <a:r>
+              <a:rPr lang="en-US" sz="700" b="0" dirty="0">
+                <a:solidFill>
+                  <a:srgbClr val="CCCCCC"/>
+                </a:solidFill>
+                <a:effectLst/>
+                <a:latin typeface="Menlo" panose="020B0609030804020204" pitchFamily="49" charset="0"/>
+              </a:rPr>
+              <a:t>, :])</a:t>
+            </a:r>
+          </a:p>
+          <a:p>
+            <a:r>
+              <a:rPr lang="en-US" sz="700" b="0" dirty="0">
+                <a:solidFill>
+                  <a:srgbClr val="C586C0"/>
+                </a:solidFill>
+                <a:effectLst/>
+                <a:latin typeface="Menlo" panose="020B0609030804020204" pitchFamily="49" charset="0"/>
+              </a:rPr>
+              <a:t>        return</a:t>
+            </a:r>
+            <a:r>
+              <a:rPr lang="en-US" sz="700" b="0" dirty="0">
+                <a:solidFill>
+                  <a:srgbClr val="CCCCCC"/>
+                </a:solidFill>
+                <a:effectLst/>
+                <a:latin typeface="Menlo" panose="020B0609030804020204" pitchFamily="49" charset="0"/>
+              </a:rPr>
+              <a:t> </a:t>
+            </a:r>
+            <a:r>
+              <a:rPr lang="en-US" sz="700" b="0" dirty="0">
+                <a:solidFill>
+                  <a:srgbClr val="9CDCFE"/>
+                </a:solidFill>
+                <a:effectLst/>
+                <a:latin typeface="Menlo" panose="020B0609030804020204" pitchFamily="49" charset="0"/>
+              </a:rPr>
+              <a:t>y</a:t>
+            </a:r>
+            <a:endParaRPr lang="en-US" sz="700" b="0" dirty="0">
+              <a:solidFill>
+                <a:srgbClr val="CCCCCC"/>
+              </a:solidFill>
+              <a:effectLst/>
+              <a:latin typeface="Menlo" panose="020B0609030804020204" pitchFamily="49" charset="0"/>
+            </a:endParaRPr>
+          </a:p>
+          <a:p>
+            <a:endParaRPr lang="en-US" sz="500" dirty="0"/>
+          </a:p>
+        </p:txBody>
+      </p:sp>
     </p:spTree>
     <p:extLst>
       <p:ext uri="{BB962C8B-B14F-4D97-AF65-F5344CB8AC3E}">
@@ -7093,7 +8554,7 @@
         </p:spPr>
         <p:txBody>
           <a:bodyPr>
-            <a:normAutofit/>
+            <a:normAutofit fontScale="92500"/>
           </a:bodyPr>
           <a:lstStyle/>
           <a:p>
@@ -7141,7 +8602,7 @@
           <a:p>
             <a:r>
               <a:rPr lang="en-US" b="1" dirty="0"/>
-              <a:t>Firstly, </a:t>
+              <a:t>First, </a:t>
             </a:r>
             <a:r>
               <a:rPr lang="en-US" dirty="0"/>
@@ -7151,7 +8612,7 @@
           <a:p>
             <a:r>
               <a:rPr lang="en-US" b="1" dirty="0"/>
-              <a:t>Secondly,</a:t>
+              <a:t>Second,</a:t>
             </a:r>
             <a:r>
               <a:rPr lang="en-US" dirty="0"/>
@@ -7164,6 +8625,24 @@
             <a:r>
               <a:rPr lang="en-US" dirty="0"/>
               <a:t>”. Comparing to the non-expanded dataset presented previously analysis might shed light on the extent to which the inclusion of more temporal information influences forecasting accuracy.</a:t>
+            </a:r>
+          </a:p>
+          <a:p>
+            <a:r>
+              <a:rPr lang="en-US" b="1" dirty="0"/>
+              <a:t>Third, </a:t>
+            </a:r>
+            <a:r>
+              <a:rPr lang="en-US" dirty="0"/>
+              <a:t>find a way to show the accuracy of the model in dollars so a business could use </a:t>
+            </a:r>
+            <a:r>
+              <a:rPr lang="en-US" dirty="0" err="1"/>
+              <a:t>ti</a:t>
+            </a:r>
+            <a:r>
+              <a:rPr lang="en-US" dirty="0"/>
+              <a:t> to better predict needs in the future.</a:t>
             </a:r>
           </a:p>
           <a:p>
@@ -8908,7 +10387,7 @@
             </a:pPr>
             <a:r>
               <a:rPr lang="en-US" dirty="0"/>
-              <a:t>Deploy a dataset in the cloud (AWS) for remote extraction, process, and normalization that can then be used for training and validation by RNN architectures.</a:t>
+              <a:t>Deploy a dataset in the cloud (AWS) for remote extraction, process, and normalization that can then be used for training and validation.</a:t>
             </a:r>
           </a:p>
           <a:p>
@@ -8928,7 +10407,7 @@
             </a:pPr>
             <a:r>
               <a:rPr lang="en-US" dirty="0"/>
-              <a:t>Using multiple potting techniques provide a visual approach to reviewing performance of the LSTM model for prediction on Kaggle[2]’s Demand Challenge dataset.</a:t>
+              <a:t>Using plotting techniques provide a visual approach to reviewing performance of the LSTM model.</a:t>
             </a:r>
           </a:p>
           <a:p>
